--- a/sunum.pptx
+++ b/sunum.pptx
@@ -261,7 +261,7 @@
           <a:p>
             <a:fld id="{75D09671-407B-2F41-A870-989A48AF92C9}" type="datetimeFigureOut">
               <a:rPr lang="tr-TR" smtClean="0"/>
-              <a:t>28.11.2021</a:t>
+              <a:t>29.11.2021</a:t>
             </a:fld>
             <a:endParaRPr lang="tr-TR"/>
           </a:p>
@@ -459,7 +459,7 @@
           <a:p>
             <a:fld id="{75D09671-407B-2F41-A870-989A48AF92C9}" type="datetimeFigureOut">
               <a:rPr lang="tr-TR" smtClean="0"/>
-              <a:t>28.11.2021</a:t>
+              <a:t>29.11.2021</a:t>
             </a:fld>
             <a:endParaRPr lang="tr-TR"/>
           </a:p>
@@ -667,7 +667,7 @@
           <a:p>
             <a:fld id="{75D09671-407B-2F41-A870-989A48AF92C9}" type="datetimeFigureOut">
               <a:rPr lang="tr-TR" smtClean="0"/>
-              <a:t>28.11.2021</a:t>
+              <a:t>29.11.2021</a:t>
             </a:fld>
             <a:endParaRPr lang="tr-TR"/>
           </a:p>
@@ -865,7 +865,7 @@
           <a:p>
             <a:fld id="{75D09671-407B-2F41-A870-989A48AF92C9}" type="datetimeFigureOut">
               <a:rPr lang="tr-TR" smtClean="0"/>
-              <a:t>28.11.2021</a:t>
+              <a:t>29.11.2021</a:t>
             </a:fld>
             <a:endParaRPr lang="tr-TR"/>
           </a:p>
@@ -1140,7 +1140,7 @@
           <a:p>
             <a:fld id="{75D09671-407B-2F41-A870-989A48AF92C9}" type="datetimeFigureOut">
               <a:rPr lang="tr-TR" smtClean="0"/>
-              <a:t>28.11.2021</a:t>
+              <a:t>29.11.2021</a:t>
             </a:fld>
             <a:endParaRPr lang="tr-TR"/>
           </a:p>
@@ -1405,7 +1405,7 @@
           <a:p>
             <a:fld id="{75D09671-407B-2F41-A870-989A48AF92C9}" type="datetimeFigureOut">
               <a:rPr lang="tr-TR" smtClean="0"/>
-              <a:t>28.11.2021</a:t>
+              <a:t>29.11.2021</a:t>
             </a:fld>
             <a:endParaRPr lang="tr-TR"/>
           </a:p>
@@ -1817,7 +1817,7 @@
           <a:p>
             <a:fld id="{75D09671-407B-2F41-A870-989A48AF92C9}" type="datetimeFigureOut">
               <a:rPr lang="tr-TR" smtClean="0"/>
-              <a:t>28.11.2021</a:t>
+              <a:t>29.11.2021</a:t>
             </a:fld>
             <a:endParaRPr lang="tr-TR"/>
           </a:p>
@@ -1958,7 +1958,7 @@
           <a:p>
             <a:fld id="{75D09671-407B-2F41-A870-989A48AF92C9}" type="datetimeFigureOut">
               <a:rPr lang="tr-TR" smtClean="0"/>
-              <a:t>28.11.2021</a:t>
+              <a:t>29.11.2021</a:t>
             </a:fld>
             <a:endParaRPr lang="tr-TR"/>
           </a:p>
@@ -2071,7 +2071,7 @@
           <a:p>
             <a:fld id="{75D09671-407B-2F41-A870-989A48AF92C9}" type="datetimeFigureOut">
               <a:rPr lang="tr-TR" smtClean="0"/>
-              <a:t>28.11.2021</a:t>
+              <a:t>29.11.2021</a:t>
             </a:fld>
             <a:endParaRPr lang="tr-TR"/>
           </a:p>
@@ -2382,7 +2382,7 @@
           <a:p>
             <a:fld id="{75D09671-407B-2F41-A870-989A48AF92C9}" type="datetimeFigureOut">
               <a:rPr lang="tr-TR" smtClean="0"/>
-              <a:t>28.11.2021</a:t>
+              <a:t>29.11.2021</a:t>
             </a:fld>
             <a:endParaRPr lang="tr-TR"/>
           </a:p>
@@ -2670,7 +2670,7 @@
           <a:p>
             <a:fld id="{75D09671-407B-2F41-A870-989A48AF92C9}" type="datetimeFigureOut">
               <a:rPr lang="tr-TR" smtClean="0"/>
-              <a:t>28.11.2021</a:t>
+              <a:t>29.11.2021</a:t>
             </a:fld>
             <a:endParaRPr lang="tr-TR"/>
           </a:p>
@@ -2911,7 +2911,7 @@
           <a:p>
             <a:fld id="{75D09671-407B-2F41-A870-989A48AF92C9}" type="datetimeFigureOut">
               <a:rPr lang="tr-TR" smtClean="0"/>
-              <a:t>28.11.2021</a:t>
+              <a:t>29.11.2021</a:t>
             </a:fld>
             <a:endParaRPr lang="tr-TR"/>
           </a:p>
@@ -3540,8 +3540,13 @@
             </a:pPr>
             <a:r>
               <a:rPr lang="tr-TR" dirty="0"/>
-              <a:t>Farklı problemlere ürettiğimiz programlarla çözümler getireceğiz</a:t>
-            </a:r>
+              <a:t>Farklı problemlere ürettiğimiz programlarla </a:t>
+            </a:r>
+            <a:r>
+              <a:rPr lang="tr-TR"/>
+              <a:t>çözümler getireceğiz.</a:t>
+            </a:r>
+            <a:endParaRPr lang="tr-TR" dirty="0"/>
           </a:p>
           <a:p>
             <a:pPr marL="285750" indent="-285750">
